--- a/python-programming-workshop/multithreading/multithreading_and_multiprocessing.pptx
+++ b/python-programming-workshop/multithreading/multithreading_and_multiprocessing.pptx
@@ -294,7 +294,8 @@
           <a:p>
             <a:fld id="{33D59AEC-5968-4AAE-A627-49CF1ECDBAEC}" type="datetimeFigureOut">
               <a:rPr lang="en-US" smtClean="0"/>
-              <a:t>6/29/2021</a:t>
+              <a:pPr/>
+              <a:t>9/28/2021</a:t>
             </a:fld>
             <a:endParaRPr lang="en-US"/>
           </a:p>
@@ -336,6 +337,7 @@
           <a:p>
             <a:fld id="{F88F5C20-C2F9-43C6-A14D-BEBFCEF94FA6}" type="slidenum">
               <a:rPr lang="en-US" smtClean="0"/>
+              <a:pPr/>
               <a:t>‹#›</a:t>
             </a:fld>
             <a:endParaRPr lang="en-US"/>
@@ -459,7 +461,8 @@
           <a:p>
             <a:fld id="{33D59AEC-5968-4AAE-A627-49CF1ECDBAEC}" type="datetimeFigureOut">
               <a:rPr lang="en-US" smtClean="0"/>
-              <a:t>6/29/2021</a:t>
+              <a:pPr/>
+              <a:t>9/28/2021</a:t>
             </a:fld>
             <a:endParaRPr lang="en-US"/>
           </a:p>
@@ -501,6 +504,7 @@
           <a:p>
             <a:fld id="{F88F5C20-C2F9-43C6-A14D-BEBFCEF94FA6}" type="slidenum">
               <a:rPr lang="en-US" smtClean="0"/>
+              <a:pPr/>
               <a:t>‹#›</a:t>
             </a:fld>
             <a:endParaRPr lang="en-US"/>
@@ -634,7 +638,8 @@
           <a:p>
             <a:fld id="{33D59AEC-5968-4AAE-A627-49CF1ECDBAEC}" type="datetimeFigureOut">
               <a:rPr lang="en-US" smtClean="0"/>
-              <a:t>6/29/2021</a:t>
+              <a:pPr/>
+              <a:t>9/28/2021</a:t>
             </a:fld>
             <a:endParaRPr lang="en-US"/>
           </a:p>
@@ -676,6 +681,7 @@
           <a:p>
             <a:fld id="{F88F5C20-C2F9-43C6-A14D-BEBFCEF94FA6}" type="slidenum">
               <a:rPr lang="en-US" smtClean="0"/>
+              <a:pPr/>
               <a:t>‹#›</a:t>
             </a:fld>
             <a:endParaRPr lang="en-US"/>
@@ -799,7 +805,8 @@
           <a:p>
             <a:fld id="{33D59AEC-5968-4AAE-A627-49CF1ECDBAEC}" type="datetimeFigureOut">
               <a:rPr lang="en-US" smtClean="0"/>
-              <a:t>6/29/2021</a:t>
+              <a:pPr/>
+              <a:t>9/28/2021</a:t>
             </a:fld>
             <a:endParaRPr lang="en-US"/>
           </a:p>
@@ -841,6 +848,7 @@
           <a:p>
             <a:fld id="{F88F5C20-C2F9-43C6-A14D-BEBFCEF94FA6}" type="slidenum">
               <a:rPr lang="en-US" smtClean="0"/>
+              <a:pPr/>
               <a:t>‹#›</a:t>
             </a:fld>
             <a:endParaRPr lang="en-US"/>
@@ -1040,7 +1048,8 @@
           <a:p>
             <a:fld id="{33D59AEC-5968-4AAE-A627-49CF1ECDBAEC}" type="datetimeFigureOut">
               <a:rPr lang="en-US" smtClean="0"/>
-              <a:t>6/29/2021</a:t>
+              <a:pPr/>
+              <a:t>9/28/2021</a:t>
             </a:fld>
             <a:endParaRPr lang="en-US"/>
           </a:p>
@@ -1082,6 +1091,7 @@
           <a:p>
             <a:fld id="{F88F5C20-C2F9-43C6-A14D-BEBFCEF94FA6}" type="slidenum">
               <a:rPr lang="en-US" smtClean="0"/>
+              <a:pPr/>
               <a:t>‹#›</a:t>
             </a:fld>
             <a:endParaRPr lang="en-US"/>
@@ -1323,7 +1333,8 @@
           <a:p>
             <a:fld id="{33D59AEC-5968-4AAE-A627-49CF1ECDBAEC}" type="datetimeFigureOut">
               <a:rPr lang="en-US" smtClean="0"/>
-              <a:t>6/29/2021</a:t>
+              <a:pPr/>
+              <a:t>9/28/2021</a:t>
             </a:fld>
             <a:endParaRPr lang="en-US"/>
           </a:p>
@@ -1365,6 +1376,7 @@
           <a:p>
             <a:fld id="{F88F5C20-C2F9-43C6-A14D-BEBFCEF94FA6}" type="slidenum">
               <a:rPr lang="en-US" smtClean="0"/>
+              <a:pPr/>
               <a:t>‹#›</a:t>
             </a:fld>
             <a:endParaRPr lang="en-US"/>
@@ -1740,7 +1752,8 @@
           <a:p>
             <a:fld id="{33D59AEC-5968-4AAE-A627-49CF1ECDBAEC}" type="datetimeFigureOut">
               <a:rPr lang="en-US" smtClean="0"/>
-              <a:t>6/29/2021</a:t>
+              <a:pPr/>
+              <a:t>9/28/2021</a:t>
             </a:fld>
             <a:endParaRPr lang="en-US"/>
           </a:p>
@@ -1782,6 +1795,7 @@
           <a:p>
             <a:fld id="{F88F5C20-C2F9-43C6-A14D-BEBFCEF94FA6}" type="slidenum">
               <a:rPr lang="en-US" smtClean="0"/>
+              <a:pPr/>
               <a:t>‹#›</a:t>
             </a:fld>
             <a:endParaRPr lang="en-US"/>
@@ -1853,7 +1867,8 @@
           <a:p>
             <a:fld id="{33D59AEC-5968-4AAE-A627-49CF1ECDBAEC}" type="datetimeFigureOut">
               <a:rPr lang="en-US" smtClean="0"/>
-              <a:t>6/29/2021</a:t>
+              <a:pPr/>
+              <a:t>9/28/2021</a:t>
             </a:fld>
             <a:endParaRPr lang="en-US"/>
           </a:p>
@@ -1895,6 +1910,7 @@
           <a:p>
             <a:fld id="{F88F5C20-C2F9-43C6-A14D-BEBFCEF94FA6}" type="slidenum">
               <a:rPr lang="en-US" smtClean="0"/>
+              <a:pPr/>
               <a:t>‹#›</a:t>
             </a:fld>
             <a:endParaRPr lang="en-US"/>
@@ -1943,7 +1959,8 @@
           <a:p>
             <a:fld id="{33D59AEC-5968-4AAE-A627-49CF1ECDBAEC}" type="datetimeFigureOut">
               <a:rPr lang="en-US" smtClean="0"/>
-              <a:t>6/29/2021</a:t>
+              <a:pPr/>
+              <a:t>9/28/2021</a:t>
             </a:fld>
             <a:endParaRPr lang="en-US"/>
           </a:p>
@@ -1985,6 +2002,7 @@
           <a:p>
             <a:fld id="{F88F5C20-C2F9-43C6-A14D-BEBFCEF94FA6}" type="slidenum">
               <a:rPr lang="en-US" smtClean="0"/>
+              <a:pPr/>
               <a:t>‹#›</a:t>
             </a:fld>
             <a:endParaRPr lang="en-US"/>
@@ -2215,7 +2233,8 @@
           <a:p>
             <a:fld id="{33D59AEC-5968-4AAE-A627-49CF1ECDBAEC}" type="datetimeFigureOut">
               <a:rPr lang="en-US" smtClean="0"/>
-              <a:t>6/29/2021</a:t>
+              <a:pPr/>
+              <a:t>9/28/2021</a:t>
             </a:fld>
             <a:endParaRPr lang="en-US"/>
           </a:p>
@@ -2257,6 +2276,7 @@
           <a:p>
             <a:fld id="{F88F5C20-C2F9-43C6-A14D-BEBFCEF94FA6}" type="slidenum">
               <a:rPr lang="en-US" smtClean="0"/>
+              <a:pPr/>
               <a:t>‹#›</a:t>
             </a:fld>
             <a:endParaRPr lang="en-US"/>
@@ -2463,7 +2483,8 @@
           <a:p>
             <a:fld id="{33D59AEC-5968-4AAE-A627-49CF1ECDBAEC}" type="datetimeFigureOut">
               <a:rPr lang="en-US" smtClean="0"/>
-              <a:t>6/29/2021</a:t>
+              <a:pPr/>
+              <a:t>9/28/2021</a:t>
             </a:fld>
             <a:endParaRPr lang="en-US"/>
           </a:p>
@@ -2505,6 +2526,7 @@
           <a:p>
             <a:fld id="{F88F5C20-C2F9-43C6-A14D-BEBFCEF94FA6}" type="slidenum">
               <a:rPr lang="en-US" smtClean="0"/>
+              <a:pPr/>
               <a:t>‹#›</a:t>
             </a:fld>
             <a:endParaRPr lang="en-US"/>
@@ -2671,7 +2693,8 @@
           <a:p>
             <a:fld id="{33D59AEC-5968-4AAE-A627-49CF1ECDBAEC}" type="datetimeFigureOut">
               <a:rPr lang="en-US" smtClean="0"/>
-              <a:t>6/29/2021</a:t>
+              <a:pPr/>
+              <a:t>9/28/2021</a:t>
             </a:fld>
             <a:endParaRPr lang="en-US"/>
           </a:p>
@@ -2749,6 +2772,7 @@
           <a:p>
             <a:fld id="{F88F5C20-C2F9-43C6-A14D-BEBFCEF94FA6}" type="slidenum">
               <a:rPr lang="en-US" smtClean="0"/>
+              <a:pPr/>
               <a:t>‹#›</a:t>
             </a:fld>
             <a:endParaRPr lang="en-US"/>
@@ -3056,26 +3080,11 @@
           <a:bodyPr/>
           <a:lstStyle/>
           <a:p>
-            <a:endParaRPr lang="en-US"/>
-          </a:p>
-        </p:txBody>
-      </p:sp>
-      <p:sp>
-        <p:nvSpPr>
-          <p:cNvPr id="3" name="Subtitle 2"/>
-          <p:cNvSpPr>
-            <a:spLocks noGrp="1"/>
-          </p:cNvSpPr>
-          <p:nvPr>
-            <p:ph type="subTitle" idx="1"/>
-          </p:nvPr>
-        </p:nvSpPr>
-        <p:spPr/>
-        <p:txBody>
-          <a:bodyPr/>
-          <a:lstStyle/>
-          <a:p>
-            <a:endParaRPr lang="en-US"/>
+            <a:r>
+              <a:rPr lang="en-IN" dirty="0" smtClean="0"/>
+              <a:t>Multithreading and Multiprocessing</a:t>
+            </a:r>
+            <a:endParaRPr lang="en-US" dirty="0"/>
           </a:p>
         </p:txBody>
       </p:sp>

--- a/python-programming-workshop/multithreading/multithreading_and_multiprocessing.pptx
+++ b/python-programming-workshop/multithreading/multithreading_and_multiprocessing.pptx
@@ -110,6 +110,22 @@
       </a:defRPr>
     </a:lvl9pPr>
   </p:defaultTextStyle>
+  <p:extLst>
+    <p:ext uri="{EFAFB233-063F-42B5-8137-9DF3F51BA10A}">
+      <p15:sldGuideLst xmlns:p15="http://schemas.microsoft.com/office/powerpoint/2012/main">
+        <p15:guide id="1" orient="horz" pos="2160">
+          <p15:clr>
+            <a:srgbClr val="A4A3A4"/>
+          </p15:clr>
+        </p15:guide>
+        <p15:guide id="2" pos="2880">
+          <p15:clr>
+            <a:srgbClr val="A4A3A4"/>
+          </p15:clr>
+        </p15:guide>
+      </p15:sldGuideLst>
+    </p:ext>
+  </p:extLst>
 </p:presentation>
 </file>
 
@@ -151,10 +167,9 @@
           <a:lstStyle/>
           <a:p>
             <a:r>
-              <a:rPr lang="en-US" smtClean="0"/>
+              <a:rPr lang="en-US"/>
               <a:t>Click to edit Master title style</a:t>
             </a:r>
-            <a:endParaRPr lang="en-US"/>
           </a:p>
         </p:txBody>
       </p:sp>
@@ -270,10 +285,9 @@
           </a:lstStyle>
           <a:p>
             <a:r>
-              <a:rPr lang="en-US" smtClean="0"/>
+              <a:rPr lang="en-US"/>
               <a:t>Click to edit Master subtitle style</a:t>
             </a:r>
-            <a:endParaRPr lang="en-US"/>
           </a:p>
         </p:txBody>
       </p:sp>
@@ -295,7 +309,7 @@
             <a:fld id="{33D59AEC-5968-4AAE-A627-49CF1ECDBAEC}" type="datetimeFigureOut">
               <a:rPr lang="en-US" smtClean="0"/>
               <a:pPr/>
-              <a:t>9/28/2021</a:t>
+              <a:t>7/17/2022</a:t>
             </a:fld>
             <a:endParaRPr lang="en-US"/>
           </a:p>
@@ -385,10 +399,9 @@
           <a:lstStyle/>
           <a:p>
             <a:r>
-              <a:rPr lang="en-US" smtClean="0"/>
+              <a:rPr lang="en-US"/>
               <a:t>Click to edit Master title style</a:t>
             </a:r>
-            <a:endParaRPr lang="en-US"/>
           </a:p>
         </p:txBody>
       </p:sp>
@@ -409,38 +422,37 @@
           <a:p>
             <a:pPr lvl="0"/>
             <a:r>
-              <a:rPr lang="en-US" smtClean="0"/>
+              <a:rPr lang="en-US"/>
               <a:t>Click to edit Master text styles</a:t>
             </a:r>
           </a:p>
           <a:p>
             <a:pPr lvl="1"/>
             <a:r>
-              <a:rPr lang="en-US" smtClean="0"/>
+              <a:rPr lang="en-US"/>
               <a:t>Second level</a:t>
             </a:r>
           </a:p>
           <a:p>
             <a:pPr lvl="2"/>
             <a:r>
-              <a:rPr lang="en-US" smtClean="0"/>
+              <a:rPr lang="en-US"/>
               <a:t>Third level</a:t>
             </a:r>
           </a:p>
           <a:p>
             <a:pPr lvl="3"/>
             <a:r>
-              <a:rPr lang="en-US" smtClean="0"/>
+              <a:rPr lang="en-US"/>
               <a:t>Fourth level</a:t>
             </a:r>
           </a:p>
           <a:p>
             <a:pPr lvl="4"/>
             <a:r>
-              <a:rPr lang="en-US" smtClean="0"/>
+              <a:rPr lang="en-US"/>
               <a:t>Fifth level</a:t>
             </a:r>
-            <a:endParaRPr lang="en-US"/>
           </a:p>
         </p:txBody>
       </p:sp>
@@ -462,7 +474,7 @@
             <a:fld id="{33D59AEC-5968-4AAE-A627-49CF1ECDBAEC}" type="datetimeFigureOut">
               <a:rPr lang="en-US" smtClean="0"/>
               <a:pPr/>
-              <a:t>9/28/2021</a:t>
+              <a:t>7/17/2022</a:t>
             </a:fld>
             <a:endParaRPr lang="en-US"/>
           </a:p>
@@ -557,10 +569,9 @@
           <a:lstStyle/>
           <a:p>
             <a:r>
-              <a:rPr lang="en-US" smtClean="0"/>
+              <a:rPr lang="en-US"/>
               <a:t>Click to edit Master title style</a:t>
             </a:r>
-            <a:endParaRPr lang="en-US"/>
           </a:p>
         </p:txBody>
       </p:sp>
@@ -586,38 +597,37 @@
           <a:p>
             <a:pPr lvl="0"/>
             <a:r>
-              <a:rPr lang="en-US" smtClean="0"/>
+              <a:rPr lang="en-US"/>
               <a:t>Click to edit Master text styles</a:t>
             </a:r>
           </a:p>
           <a:p>
             <a:pPr lvl="1"/>
             <a:r>
-              <a:rPr lang="en-US" smtClean="0"/>
+              <a:rPr lang="en-US"/>
               <a:t>Second level</a:t>
             </a:r>
           </a:p>
           <a:p>
             <a:pPr lvl="2"/>
             <a:r>
-              <a:rPr lang="en-US" smtClean="0"/>
+              <a:rPr lang="en-US"/>
               <a:t>Third level</a:t>
             </a:r>
           </a:p>
           <a:p>
             <a:pPr lvl="3"/>
             <a:r>
-              <a:rPr lang="en-US" smtClean="0"/>
+              <a:rPr lang="en-US"/>
               <a:t>Fourth level</a:t>
             </a:r>
           </a:p>
           <a:p>
             <a:pPr lvl="4"/>
             <a:r>
-              <a:rPr lang="en-US" smtClean="0"/>
+              <a:rPr lang="en-US"/>
               <a:t>Fifth level</a:t>
             </a:r>
-            <a:endParaRPr lang="en-US"/>
           </a:p>
         </p:txBody>
       </p:sp>
@@ -639,7 +649,7 @@
             <a:fld id="{33D59AEC-5968-4AAE-A627-49CF1ECDBAEC}" type="datetimeFigureOut">
               <a:rPr lang="en-US" smtClean="0"/>
               <a:pPr/>
-              <a:t>9/28/2021</a:t>
+              <a:t>7/17/2022</a:t>
             </a:fld>
             <a:endParaRPr lang="en-US"/>
           </a:p>
@@ -729,10 +739,9 @@
           <a:lstStyle/>
           <a:p>
             <a:r>
-              <a:rPr lang="en-US" smtClean="0"/>
+              <a:rPr lang="en-US"/>
               <a:t>Click to edit Master title style</a:t>
             </a:r>
-            <a:endParaRPr lang="en-US"/>
           </a:p>
         </p:txBody>
       </p:sp>
@@ -753,38 +762,37 @@
           <a:p>
             <a:pPr lvl="0"/>
             <a:r>
-              <a:rPr lang="en-US" smtClean="0"/>
+              <a:rPr lang="en-US"/>
               <a:t>Click to edit Master text styles</a:t>
             </a:r>
           </a:p>
           <a:p>
             <a:pPr lvl="1"/>
             <a:r>
-              <a:rPr lang="en-US" smtClean="0"/>
+              <a:rPr lang="en-US"/>
               <a:t>Second level</a:t>
             </a:r>
           </a:p>
           <a:p>
             <a:pPr lvl="2"/>
             <a:r>
-              <a:rPr lang="en-US" smtClean="0"/>
+              <a:rPr lang="en-US"/>
               <a:t>Third level</a:t>
             </a:r>
           </a:p>
           <a:p>
             <a:pPr lvl="3"/>
             <a:r>
-              <a:rPr lang="en-US" smtClean="0"/>
+              <a:rPr lang="en-US"/>
               <a:t>Fourth level</a:t>
             </a:r>
           </a:p>
           <a:p>
             <a:pPr lvl="4"/>
             <a:r>
-              <a:rPr lang="en-US" smtClean="0"/>
+              <a:rPr lang="en-US"/>
               <a:t>Fifth level</a:t>
             </a:r>
-            <a:endParaRPr lang="en-US"/>
           </a:p>
         </p:txBody>
       </p:sp>
@@ -806,7 +814,7 @@
             <a:fld id="{33D59AEC-5968-4AAE-A627-49CF1ECDBAEC}" type="datetimeFigureOut">
               <a:rPr lang="en-US" smtClean="0"/>
               <a:pPr/>
-              <a:t>9/28/2021</a:t>
+              <a:t>7/17/2022</a:t>
             </a:fld>
             <a:endParaRPr lang="en-US"/>
           </a:p>
@@ -905,10 +913,9 @@
           </a:lstStyle>
           <a:p>
             <a:r>
-              <a:rPr lang="en-US" smtClean="0"/>
+              <a:rPr lang="en-US"/>
               <a:t>Click to edit Master title style</a:t>
             </a:r>
-            <a:endParaRPr lang="en-US"/>
           </a:p>
         </p:txBody>
       </p:sp>
@@ -1025,7 +1032,7 @@
           <a:p>
             <a:pPr lvl="0"/>
             <a:r>
-              <a:rPr lang="en-US" smtClean="0"/>
+              <a:rPr lang="en-US"/>
               <a:t>Click to edit Master text styles</a:t>
             </a:r>
           </a:p>
@@ -1049,7 +1056,7 @@
             <a:fld id="{33D59AEC-5968-4AAE-A627-49CF1ECDBAEC}" type="datetimeFigureOut">
               <a:rPr lang="en-US" smtClean="0"/>
               <a:pPr/>
-              <a:t>9/28/2021</a:t>
+              <a:t>7/17/2022</a:t>
             </a:fld>
             <a:endParaRPr lang="en-US"/>
           </a:p>
@@ -1139,10 +1146,9 @@
           <a:lstStyle/>
           <a:p>
             <a:r>
-              <a:rPr lang="en-US" smtClean="0"/>
+              <a:rPr lang="en-US"/>
               <a:t>Click to edit Master title style</a:t>
             </a:r>
-            <a:endParaRPr lang="en-US"/>
           </a:p>
         </p:txBody>
       </p:sp>
@@ -1196,38 +1202,37 @@
           <a:p>
             <a:pPr lvl="0"/>
             <a:r>
-              <a:rPr lang="en-US" smtClean="0"/>
+              <a:rPr lang="en-US"/>
               <a:t>Click to edit Master text styles</a:t>
             </a:r>
           </a:p>
           <a:p>
             <a:pPr lvl="1"/>
             <a:r>
-              <a:rPr lang="en-US" smtClean="0"/>
+              <a:rPr lang="en-US"/>
               <a:t>Second level</a:t>
             </a:r>
           </a:p>
           <a:p>
             <a:pPr lvl="2"/>
             <a:r>
-              <a:rPr lang="en-US" smtClean="0"/>
+              <a:rPr lang="en-US"/>
               <a:t>Third level</a:t>
             </a:r>
           </a:p>
           <a:p>
             <a:pPr lvl="3"/>
             <a:r>
-              <a:rPr lang="en-US" smtClean="0"/>
+              <a:rPr lang="en-US"/>
               <a:t>Fourth level</a:t>
             </a:r>
           </a:p>
           <a:p>
             <a:pPr lvl="4"/>
             <a:r>
-              <a:rPr lang="en-US" smtClean="0"/>
+              <a:rPr lang="en-US"/>
               <a:t>Fifth level</a:t>
             </a:r>
-            <a:endParaRPr lang="en-US"/>
           </a:p>
         </p:txBody>
       </p:sp>
@@ -1281,38 +1286,37 @@
           <a:p>
             <a:pPr lvl="0"/>
             <a:r>
-              <a:rPr lang="en-US" smtClean="0"/>
+              <a:rPr lang="en-US"/>
               <a:t>Click to edit Master text styles</a:t>
             </a:r>
           </a:p>
           <a:p>
             <a:pPr lvl="1"/>
             <a:r>
-              <a:rPr lang="en-US" smtClean="0"/>
+              <a:rPr lang="en-US"/>
               <a:t>Second level</a:t>
             </a:r>
           </a:p>
           <a:p>
             <a:pPr lvl="2"/>
             <a:r>
-              <a:rPr lang="en-US" smtClean="0"/>
+              <a:rPr lang="en-US"/>
               <a:t>Third level</a:t>
             </a:r>
           </a:p>
           <a:p>
             <a:pPr lvl="3"/>
             <a:r>
-              <a:rPr lang="en-US" smtClean="0"/>
+              <a:rPr lang="en-US"/>
               <a:t>Fourth level</a:t>
             </a:r>
           </a:p>
           <a:p>
             <a:pPr lvl="4"/>
             <a:r>
-              <a:rPr lang="en-US" smtClean="0"/>
+              <a:rPr lang="en-US"/>
               <a:t>Fifth level</a:t>
             </a:r>
-            <a:endParaRPr lang="en-US"/>
           </a:p>
         </p:txBody>
       </p:sp>
@@ -1334,7 +1338,7 @@
             <a:fld id="{33D59AEC-5968-4AAE-A627-49CF1ECDBAEC}" type="datetimeFigureOut">
               <a:rPr lang="en-US" smtClean="0"/>
               <a:pPr/>
-              <a:t>9/28/2021</a:t>
+              <a:t>7/17/2022</a:t>
             </a:fld>
             <a:endParaRPr lang="en-US"/>
           </a:p>
@@ -1428,10 +1432,9 @@
           </a:lstStyle>
           <a:p>
             <a:r>
-              <a:rPr lang="en-US" smtClean="0"/>
+              <a:rPr lang="en-US"/>
               <a:t>Click to edit Master title style</a:t>
             </a:r>
-            <a:endParaRPr lang="en-US"/>
           </a:p>
         </p:txBody>
       </p:sp>
@@ -1494,7 +1497,7 @@
           <a:p>
             <a:pPr lvl="0"/>
             <a:r>
-              <a:rPr lang="en-US" smtClean="0"/>
+              <a:rPr lang="en-US"/>
               <a:t>Click to edit Master text styles</a:t>
             </a:r>
           </a:p>
@@ -1550,38 +1553,37 @@
           <a:p>
             <a:pPr lvl="0"/>
             <a:r>
-              <a:rPr lang="en-US" smtClean="0"/>
+              <a:rPr lang="en-US"/>
               <a:t>Click to edit Master text styles</a:t>
             </a:r>
           </a:p>
           <a:p>
             <a:pPr lvl="1"/>
             <a:r>
-              <a:rPr lang="en-US" smtClean="0"/>
+              <a:rPr lang="en-US"/>
               <a:t>Second level</a:t>
             </a:r>
           </a:p>
           <a:p>
             <a:pPr lvl="2"/>
             <a:r>
-              <a:rPr lang="en-US" smtClean="0"/>
+              <a:rPr lang="en-US"/>
               <a:t>Third level</a:t>
             </a:r>
           </a:p>
           <a:p>
             <a:pPr lvl="3"/>
             <a:r>
-              <a:rPr lang="en-US" smtClean="0"/>
+              <a:rPr lang="en-US"/>
               <a:t>Fourth level</a:t>
             </a:r>
           </a:p>
           <a:p>
             <a:pPr lvl="4"/>
             <a:r>
-              <a:rPr lang="en-US" smtClean="0"/>
+              <a:rPr lang="en-US"/>
               <a:t>Fifth level</a:t>
             </a:r>
-            <a:endParaRPr lang="en-US"/>
           </a:p>
         </p:txBody>
       </p:sp>
@@ -1644,7 +1646,7 @@
           <a:p>
             <a:pPr lvl="0"/>
             <a:r>
-              <a:rPr lang="en-US" smtClean="0"/>
+              <a:rPr lang="en-US"/>
               <a:t>Click to edit Master text styles</a:t>
             </a:r>
           </a:p>
@@ -1700,38 +1702,37 @@
           <a:p>
             <a:pPr lvl="0"/>
             <a:r>
-              <a:rPr lang="en-US" smtClean="0"/>
+              <a:rPr lang="en-US"/>
               <a:t>Click to edit Master text styles</a:t>
             </a:r>
           </a:p>
           <a:p>
             <a:pPr lvl="1"/>
             <a:r>
-              <a:rPr lang="en-US" smtClean="0"/>
+              <a:rPr lang="en-US"/>
               <a:t>Second level</a:t>
             </a:r>
           </a:p>
           <a:p>
             <a:pPr lvl="2"/>
             <a:r>
-              <a:rPr lang="en-US" smtClean="0"/>
+              <a:rPr lang="en-US"/>
               <a:t>Third level</a:t>
             </a:r>
           </a:p>
           <a:p>
             <a:pPr lvl="3"/>
             <a:r>
-              <a:rPr lang="en-US" smtClean="0"/>
+              <a:rPr lang="en-US"/>
               <a:t>Fourth level</a:t>
             </a:r>
           </a:p>
           <a:p>
             <a:pPr lvl="4"/>
             <a:r>
-              <a:rPr lang="en-US" smtClean="0"/>
+              <a:rPr lang="en-US"/>
               <a:t>Fifth level</a:t>
             </a:r>
-            <a:endParaRPr lang="en-US"/>
           </a:p>
         </p:txBody>
       </p:sp>
@@ -1753,7 +1754,7 @@
             <a:fld id="{33D59AEC-5968-4AAE-A627-49CF1ECDBAEC}" type="datetimeFigureOut">
               <a:rPr lang="en-US" smtClean="0"/>
               <a:pPr/>
-              <a:t>9/28/2021</a:t>
+              <a:t>7/17/2022</a:t>
             </a:fld>
             <a:endParaRPr lang="en-US"/>
           </a:p>
@@ -1843,10 +1844,9 @@
           <a:lstStyle/>
           <a:p>
             <a:r>
-              <a:rPr lang="en-US" smtClean="0"/>
+              <a:rPr lang="en-US"/>
               <a:t>Click to edit Master title style</a:t>
             </a:r>
-            <a:endParaRPr lang="en-US"/>
           </a:p>
         </p:txBody>
       </p:sp>
@@ -1868,7 +1868,7 @@
             <a:fld id="{33D59AEC-5968-4AAE-A627-49CF1ECDBAEC}" type="datetimeFigureOut">
               <a:rPr lang="en-US" smtClean="0"/>
               <a:pPr/>
-              <a:t>9/28/2021</a:t>
+              <a:t>7/17/2022</a:t>
             </a:fld>
             <a:endParaRPr lang="en-US"/>
           </a:p>
@@ -1960,7 +1960,7 @@
             <a:fld id="{33D59AEC-5968-4AAE-A627-49CF1ECDBAEC}" type="datetimeFigureOut">
               <a:rPr lang="en-US" smtClean="0"/>
               <a:pPr/>
-              <a:t>9/28/2021</a:t>
+              <a:t>7/17/2022</a:t>
             </a:fld>
             <a:endParaRPr lang="en-US"/>
           </a:p>
@@ -2059,10 +2059,9 @@
           </a:lstStyle>
           <a:p>
             <a:r>
-              <a:rPr lang="en-US" smtClean="0"/>
+              <a:rPr lang="en-US"/>
               <a:t>Click to edit Master title style</a:t>
             </a:r>
-            <a:endParaRPr lang="en-US"/>
           </a:p>
         </p:txBody>
       </p:sp>
@@ -2116,38 +2115,37 @@
           <a:p>
             <a:pPr lvl="0"/>
             <a:r>
-              <a:rPr lang="en-US" smtClean="0"/>
+              <a:rPr lang="en-US"/>
               <a:t>Click to edit Master text styles</a:t>
             </a:r>
           </a:p>
           <a:p>
             <a:pPr lvl="1"/>
             <a:r>
-              <a:rPr lang="en-US" smtClean="0"/>
+              <a:rPr lang="en-US"/>
               <a:t>Second level</a:t>
             </a:r>
           </a:p>
           <a:p>
             <a:pPr lvl="2"/>
             <a:r>
-              <a:rPr lang="en-US" smtClean="0"/>
+              <a:rPr lang="en-US"/>
               <a:t>Third level</a:t>
             </a:r>
           </a:p>
           <a:p>
             <a:pPr lvl="3"/>
             <a:r>
-              <a:rPr lang="en-US" smtClean="0"/>
+              <a:rPr lang="en-US"/>
               <a:t>Fourth level</a:t>
             </a:r>
           </a:p>
           <a:p>
             <a:pPr lvl="4"/>
             <a:r>
-              <a:rPr lang="en-US" smtClean="0"/>
+              <a:rPr lang="en-US"/>
               <a:t>Fifth level</a:t>
             </a:r>
-            <a:endParaRPr lang="en-US"/>
           </a:p>
         </p:txBody>
       </p:sp>
@@ -2210,7 +2208,7 @@
           <a:p>
             <a:pPr lvl="0"/>
             <a:r>
-              <a:rPr lang="en-US" smtClean="0"/>
+              <a:rPr lang="en-US"/>
               <a:t>Click to edit Master text styles</a:t>
             </a:r>
           </a:p>
@@ -2234,7 +2232,7 @@
             <a:fld id="{33D59AEC-5968-4AAE-A627-49CF1ECDBAEC}" type="datetimeFigureOut">
               <a:rPr lang="en-US" smtClean="0"/>
               <a:pPr/>
-              <a:t>9/28/2021</a:t>
+              <a:t>7/17/2022</a:t>
             </a:fld>
             <a:endParaRPr lang="en-US"/>
           </a:p>
@@ -2333,10 +2331,9 @@
           </a:lstStyle>
           <a:p>
             <a:r>
-              <a:rPr lang="en-US" smtClean="0"/>
+              <a:rPr lang="en-US"/>
               <a:t>Click to edit Master title style</a:t>
             </a:r>
-            <a:endParaRPr lang="en-US"/>
           </a:p>
         </p:txBody>
       </p:sp>
@@ -2460,7 +2457,7 @@
           <a:p>
             <a:pPr lvl="0"/>
             <a:r>
-              <a:rPr lang="en-US" smtClean="0"/>
+              <a:rPr lang="en-US"/>
               <a:t>Click to edit Master text styles</a:t>
             </a:r>
           </a:p>
@@ -2484,7 +2481,7 @@
             <a:fld id="{33D59AEC-5968-4AAE-A627-49CF1ECDBAEC}" type="datetimeFigureOut">
               <a:rPr lang="en-US" smtClean="0"/>
               <a:pPr/>
-              <a:t>9/28/2021</a:t>
+              <a:t>7/17/2022</a:t>
             </a:fld>
             <a:endParaRPr lang="en-US"/>
           </a:p>
@@ -2589,10 +2586,9 @@
           <a:lstStyle/>
           <a:p>
             <a:r>
-              <a:rPr lang="en-US" smtClean="0"/>
+              <a:rPr lang="en-US"/>
               <a:t>Click to edit Master title style</a:t>
             </a:r>
-            <a:endParaRPr lang="en-US"/>
           </a:p>
         </p:txBody>
       </p:sp>
@@ -2623,38 +2619,37 @@
           <a:p>
             <a:pPr lvl="0"/>
             <a:r>
-              <a:rPr lang="en-US" smtClean="0"/>
+              <a:rPr lang="en-US"/>
               <a:t>Click to edit Master text styles</a:t>
             </a:r>
           </a:p>
           <a:p>
             <a:pPr lvl="1"/>
             <a:r>
-              <a:rPr lang="en-US" smtClean="0"/>
+              <a:rPr lang="en-US"/>
               <a:t>Second level</a:t>
             </a:r>
           </a:p>
           <a:p>
             <a:pPr lvl="2"/>
             <a:r>
-              <a:rPr lang="en-US" smtClean="0"/>
+              <a:rPr lang="en-US"/>
               <a:t>Third level</a:t>
             </a:r>
           </a:p>
           <a:p>
             <a:pPr lvl="3"/>
             <a:r>
-              <a:rPr lang="en-US" smtClean="0"/>
+              <a:rPr lang="en-US"/>
               <a:t>Fourth level</a:t>
             </a:r>
           </a:p>
           <a:p>
             <a:pPr lvl="4"/>
             <a:r>
-              <a:rPr lang="en-US" smtClean="0"/>
+              <a:rPr lang="en-US"/>
               <a:t>Fifth level</a:t>
             </a:r>
-            <a:endParaRPr lang="en-US"/>
           </a:p>
         </p:txBody>
       </p:sp>
@@ -2694,7 +2689,7 @@
             <a:fld id="{33D59AEC-5968-4AAE-A627-49CF1ECDBAEC}" type="datetimeFigureOut">
               <a:rPr lang="en-US" smtClean="0"/>
               <a:pPr/>
-              <a:t>9/28/2021</a:t>
+              <a:t>7/17/2022</a:t>
             </a:fld>
             <a:endParaRPr lang="en-US"/>
           </a:p>
@@ -3081,7 +3076,7 @@
           <a:lstStyle/>
           <a:p>
             <a:r>
-              <a:rPr lang="en-IN" dirty="0" smtClean="0"/>
+              <a:rPr lang="en-IN" dirty="0"/>
               <a:t>Multithreading and Multiprocessing</a:t>
             </a:r>
             <a:endParaRPr lang="en-US" dirty="0"/>
@@ -3129,16 +3124,8 @@
           <a:lstStyle/>
           <a:p>
             <a:r>
-              <a:rPr lang="en-IN" dirty="0" smtClean="0"/>
-              <a:t>Program, process</a:t>
-            </a:r>
-            <a:r>
               <a:rPr lang="en-IN" dirty="0"/>
-              <a:t> </a:t>
-            </a:r>
-            <a:r>
-              <a:rPr lang="en-IN" dirty="0" smtClean="0"/>
-              <a:t>and thread </a:t>
+              <a:t>Program, process and thread </a:t>
             </a:r>
             <a:endParaRPr lang="en-US" dirty="0"/>
           </a:p>
@@ -3202,13 +3189,8 @@
             </a:r>
             <a:r>
               <a:rPr lang="en-US" dirty="0"/>
-              <a:t> is the unit of execution within a process. A process can have multiple threads running as a part of it, where each thread uses the process’s memory space and shares it with other threads</a:t>
-            </a:r>
-            <a:r>
-              <a:rPr lang="en-US" dirty="0" smtClean="0"/>
-              <a:t>.</a:t>
-            </a:r>
-            <a:endParaRPr lang="en-US" dirty="0"/>
+              <a:t> is the unit of execution within a process. A process can have multiple threads running as a part of it, where each thread uses the process’s memory space and shares it with other threads.</a:t>
+            </a:r>
           </a:p>
         </p:txBody>
       </p:sp>
@@ -3253,7 +3235,7 @@
           <a:lstStyle/>
           <a:p>
             <a:r>
-              <a:rPr lang="en-IN" dirty="0" smtClean="0"/>
+              <a:rPr lang="en-IN" dirty="0"/>
               <a:t>Program, process and thread </a:t>
             </a:r>
             <a:endParaRPr lang="en-US" dirty="0"/>
@@ -3279,18 +3261,18 @@
           <a:p>
             <a:pPr fontAlgn="base"/>
             <a:r>
-              <a:rPr lang="en-US" b="1" dirty="0" smtClean="0"/>
+              <a:rPr lang="en-US" b="1" dirty="0"/>
               <a:t>Multithreading</a:t>
             </a:r>
             <a:r>
-              <a:rPr lang="en-US" dirty="0" smtClean="0"/>
+              <a:rPr lang="en-US" dirty="0"/>
               <a:t> is a technique where multiple threads are spawned by a process to do different tasks, at about the same time, just one after the other. </a:t>
             </a:r>
           </a:p>
           <a:p>
             <a:pPr fontAlgn="base"/>
             <a:r>
-              <a:rPr lang="en-US" dirty="0" smtClean="0"/>
+              <a:rPr lang="en-US" dirty="0"/>
               <a:t>This gives you the illusion that the threads are running in parallel, but they are actually run in a concurrent manner. In Python, the Global Interpreter Lock (GIL) prevents the threads from running simultaneously.</a:t>
             </a:r>
           </a:p>
@@ -3337,7 +3319,7 @@
           <a:lstStyle/>
           <a:p>
             <a:r>
-              <a:rPr lang="en-IN" dirty="0" smtClean="0"/>
+              <a:rPr lang="en-IN" dirty="0"/>
               <a:t>Program, process and thread </a:t>
             </a:r>
             <a:endParaRPr lang="en-US" dirty="0"/>
@@ -3363,18 +3345,18 @@
           <a:p>
             <a:pPr fontAlgn="base"/>
             <a:r>
-              <a:rPr lang="en-US" b="1" dirty="0" smtClean="0"/>
+              <a:rPr lang="en-US" b="1" dirty="0"/>
               <a:t>Multiprocessing</a:t>
             </a:r>
             <a:r>
-              <a:rPr lang="en-US" dirty="0" smtClean="0"/>
+              <a:rPr lang="en-US" dirty="0"/>
               <a:t> is a technique where parallelism in its truest form is achieved. Multiple processes are run across multiple CPU cores, which do not share the resources among them. </a:t>
             </a:r>
           </a:p>
           <a:p>
             <a:pPr fontAlgn="base"/>
             <a:r>
-              <a:rPr lang="en-US" dirty="0" smtClean="0"/>
+              <a:rPr lang="en-US" dirty="0"/>
               <a:t>Each process can have many threads running in its own memory space. In Python, each process has its own instance of Python interpreter doing the job of executing the instructions.</a:t>
             </a:r>
           </a:p>

--- a/python-programming-workshop/multithreading/multithreading_and_multiprocessing.pptx
+++ b/python-programming-workshop/multithreading/multithreading_and_multiprocessing.pptx
@@ -309,7 +309,7 @@
             <a:fld id="{33D59AEC-5968-4AAE-A627-49CF1ECDBAEC}" type="datetimeFigureOut">
               <a:rPr lang="en-US" smtClean="0"/>
               <a:pPr/>
-              <a:t>7/17/2022</a:t>
+              <a:t>8/30/2022</a:t>
             </a:fld>
             <a:endParaRPr lang="en-US"/>
           </a:p>
@@ -474,7 +474,7 @@
             <a:fld id="{33D59AEC-5968-4AAE-A627-49CF1ECDBAEC}" type="datetimeFigureOut">
               <a:rPr lang="en-US" smtClean="0"/>
               <a:pPr/>
-              <a:t>7/17/2022</a:t>
+              <a:t>8/30/2022</a:t>
             </a:fld>
             <a:endParaRPr lang="en-US"/>
           </a:p>
@@ -649,7 +649,7 @@
             <a:fld id="{33D59AEC-5968-4AAE-A627-49CF1ECDBAEC}" type="datetimeFigureOut">
               <a:rPr lang="en-US" smtClean="0"/>
               <a:pPr/>
-              <a:t>7/17/2022</a:t>
+              <a:t>8/30/2022</a:t>
             </a:fld>
             <a:endParaRPr lang="en-US"/>
           </a:p>
@@ -814,7 +814,7 @@
             <a:fld id="{33D59AEC-5968-4AAE-A627-49CF1ECDBAEC}" type="datetimeFigureOut">
               <a:rPr lang="en-US" smtClean="0"/>
               <a:pPr/>
-              <a:t>7/17/2022</a:t>
+              <a:t>8/30/2022</a:t>
             </a:fld>
             <a:endParaRPr lang="en-US"/>
           </a:p>
@@ -1056,7 +1056,7 @@
             <a:fld id="{33D59AEC-5968-4AAE-A627-49CF1ECDBAEC}" type="datetimeFigureOut">
               <a:rPr lang="en-US" smtClean="0"/>
               <a:pPr/>
-              <a:t>7/17/2022</a:t>
+              <a:t>8/30/2022</a:t>
             </a:fld>
             <a:endParaRPr lang="en-US"/>
           </a:p>
@@ -1338,7 +1338,7 @@
             <a:fld id="{33D59AEC-5968-4AAE-A627-49CF1ECDBAEC}" type="datetimeFigureOut">
               <a:rPr lang="en-US" smtClean="0"/>
               <a:pPr/>
-              <a:t>7/17/2022</a:t>
+              <a:t>8/30/2022</a:t>
             </a:fld>
             <a:endParaRPr lang="en-US"/>
           </a:p>
@@ -1754,7 +1754,7 @@
             <a:fld id="{33D59AEC-5968-4AAE-A627-49CF1ECDBAEC}" type="datetimeFigureOut">
               <a:rPr lang="en-US" smtClean="0"/>
               <a:pPr/>
-              <a:t>7/17/2022</a:t>
+              <a:t>8/30/2022</a:t>
             </a:fld>
             <a:endParaRPr lang="en-US"/>
           </a:p>
@@ -1868,7 +1868,7 @@
             <a:fld id="{33D59AEC-5968-4AAE-A627-49CF1ECDBAEC}" type="datetimeFigureOut">
               <a:rPr lang="en-US" smtClean="0"/>
               <a:pPr/>
-              <a:t>7/17/2022</a:t>
+              <a:t>8/30/2022</a:t>
             </a:fld>
             <a:endParaRPr lang="en-US"/>
           </a:p>
@@ -1960,7 +1960,7 @@
             <a:fld id="{33D59AEC-5968-4AAE-A627-49CF1ECDBAEC}" type="datetimeFigureOut">
               <a:rPr lang="en-US" smtClean="0"/>
               <a:pPr/>
-              <a:t>7/17/2022</a:t>
+              <a:t>8/30/2022</a:t>
             </a:fld>
             <a:endParaRPr lang="en-US"/>
           </a:p>
@@ -2232,7 +2232,7 @@
             <a:fld id="{33D59AEC-5968-4AAE-A627-49CF1ECDBAEC}" type="datetimeFigureOut">
               <a:rPr lang="en-US" smtClean="0"/>
               <a:pPr/>
-              <a:t>7/17/2022</a:t>
+              <a:t>8/30/2022</a:t>
             </a:fld>
             <a:endParaRPr lang="en-US"/>
           </a:p>
@@ -2481,7 +2481,7 @@
             <a:fld id="{33D59AEC-5968-4AAE-A627-49CF1ECDBAEC}" type="datetimeFigureOut">
               <a:rPr lang="en-US" smtClean="0"/>
               <a:pPr/>
-              <a:t>7/17/2022</a:t>
+              <a:t>8/30/2022</a:t>
             </a:fld>
             <a:endParaRPr lang="en-US"/>
           </a:p>
@@ -2689,7 +2689,7 @@
             <a:fld id="{33D59AEC-5968-4AAE-A627-49CF1ECDBAEC}" type="datetimeFigureOut">
               <a:rPr lang="en-US" smtClean="0"/>
               <a:pPr/>
-              <a:t>7/17/2022</a:t>
+              <a:t>8/30/2022</a:t>
             </a:fld>
             <a:endParaRPr lang="en-US"/>
           </a:p>
